--- a/8.1PSS_ Tuples_Lists.pptx
+++ b/8.1PSS_ Tuples_Lists.pptx
@@ -8800,7 +8800,7 @@
             </a:pPr>
             <a:r>
               <a:rPr lang="en"/>
-              <a:t>Problem Solving 4</a:t>
+              <a:t>Problem Solving </a:t>
             </a:r>
             <a:endParaRPr/>
           </a:p>
